--- a/Zajecia_2017_05_21/Walidacja modeli.pptx
+++ b/Zajecia_2017_05_21/Walidacja modeli.pptx
@@ -231,7 +231,7 @@
       </p15:notesGuideLst>
     </p:ext>
     <p:ext uri="{50385BFA-195E-4E9F-9E8A-86900EEC6D5D}">
-      <p14:sectionPr xmlns:p14="http://schemas.microsoft.com/office/powerpoint/2007/7/12/main" xmlns="">
+      <p14:sectionPr xmlns="" xmlns:p14="http://schemas.microsoft.com/office/powerpoint/2007/7/12/main">
         <p14:section name="Default Section" slideIdLst="263 258" id="{F3A50AD0-1C96-4FFB-A588-4C2E07833EC5}"/>
         <p14:section name="Untitled Section" slideIdLst="259 260" id="{731A7D92-B090-44AE-BDF3-5EDBB7844CCD}"/>
         <p14:section name="Untitled Section" slideIdLst="261 262" id="{8A1131A8-562D-483F-B678-EACC5503E90B}"/>
@@ -21754,38 +21754,6 @@
           <a:chExt cx="0" cy="0"/>
         </a:xfrm>
       </p:grpSpPr>
-      <p:pic>
-        <p:nvPicPr>
-          <p:cNvPr id="8" name="Symbol zastępczy zawartości 7"/>
-          <p:cNvPicPr>
-            <a:picLocks noGrp="1" noChangeAspect="1"/>
-          </p:cNvPicPr>
-          <p:nvPr>
-            <p:ph idx="1"/>
-          </p:nvPr>
-        </p:nvPicPr>
-        <p:blipFill>
-          <a:blip r:embed="rId6">
-            <a:extLst>
-              <a:ext uri="{28A0092B-C50C-407E-A947-70E740481C1C}">
-                <a14:useLocalDpi xmlns:a14="http://schemas.microsoft.com/office/drawing/2010/main" val="0"/>
-              </a:ext>
-            </a:extLst>
-          </a:blip>
-          <a:stretch>
-            <a:fillRect/>
-          </a:stretch>
-        </p:blipFill>
-        <p:spPr>
-          <a:xfrm>
-            <a:off x="420688" y="2148359"/>
-            <a:ext cx="9190037" cy="4167833"/>
-          </a:xfrm>
-          <a:solidFill>
-            <a:schemeClr val="bg1"/>
-          </a:solidFill>
-        </p:spPr>
-      </p:pic>
       <p:sp>
         <p:nvSpPr>
           <p:cNvPr id="3" name="PAGE HEADING"/>
@@ -21849,6 +21817,32 @@
           </a:p>
         </p:txBody>
       </p:sp>
+      <p:pic>
+        <p:nvPicPr>
+          <p:cNvPr id="6" name="Symbol zastępczy zawartości 5"/>
+          <p:cNvPicPr>
+            <a:picLocks noGrp="1" noChangeAspect="1"/>
+          </p:cNvPicPr>
+          <p:nvPr>
+            <p:ph idx="1"/>
+          </p:nvPr>
+        </p:nvPicPr>
+        <p:blipFill>
+          <a:blip r:embed="rId6"/>
+          <a:stretch>
+            <a:fillRect/>
+          </a:stretch>
+        </p:blipFill>
+        <p:spPr>
+          <a:xfrm>
+            <a:off x="420688" y="2403083"/>
+            <a:ext cx="9190037" cy="3658384"/>
+          </a:xfrm>
+          <a:prstGeom prst="rect">
+            <a:avLst/>
+          </a:prstGeom>
+        </p:spPr>
+      </p:pic>
     </p:spTree>
     <p:custDataLst>
       <p:tags r:id="rId1"/>
@@ -21882,8 +21876,8 @@
           <a:chExt cx="0" cy="0"/>
         </a:xfrm>
       </p:grpSpPr>
-      <mc:AlternateContent xmlns:mc="http://schemas.openxmlformats.org/markup-compatibility/2006">
-        <mc:Choice xmlns:a14="http://schemas.microsoft.com/office/drawing/2010/main" Requires="a14">
+      <mc:AlternateContent xmlns:mc="http://schemas.openxmlformats.org/markup-compatibility/2006" xmlns:a14="http://schemas.microsoft.com/office/drawing/2010/main">
+        <mc:Choice Requires="a14">
           <p:sp>
             <p:nvSpPr>
               <p:cNvPr id="2" name="LAYOUT BODY"/>
@@ -22205,11 +22199,7 @@
                 </a:r>
                 <a:r>
                   <a:rPr lang="pl-PL" dirty="0"/>
-                  <a:t> </a:t>
-                </a:r>
-                <a:r>
-                  <a:rPr lang="pl-PL" dirty="0"/>
-                  <a:t>funkcją łączącą:</a:t>
+                  <a:t> funkcją łączącą:</a:t>
                 </a:r>
               </a:p>
               <a:p>
@@ -22236,7 +22226,7 @@
             </p:txBody>
           </p:sp>
         </mc:Choice>
-        <mc:Fallback>
+        <mc:Fallback xmlns="">
           <p:sp>
             <p:nvSpPr>
               <p:cNvPr id="2" name="LAYOUT BODY"/>
@@ -22246,7 +22236,7 @@
               <p:nvPr>
                 <p:ph idx="1"/>
                 <p:custDataLst>
-                  <p:tags r:id="rId2"/>
+                  <p:tags r:id="rId7"/>
                 </p:custDataLst>
               </p:nvPr>
             </p:nvSpPr>
@@ -22256,7 +22246,7 @@
                 <a:ext cx="9189720" cy="4759691"/>
               </a:xfrm>
               <a:blipFill>
-                <a:blip r:embed="rId7"/>
+                <a:blip r:embed="rId8"/>
                 <a:stretch>
                   <a:fillRect l="-1525" t="-1793"/>
                 </a:stretch>
@@ -22368,7 +22358,7 @@
           <p:nvPr/>
         </p:nvPicPr>
         <p:blipFill>
-          <a:blip r:embed="rId8"/>
+          <a:blip r:embed="rId9"/>
           <a:stretch>
             <a:fillRect/>
           </a:stretch>
@@ -22392,7 +22382,7 @@
           <p:nvPr/>
         </p:nvPicPr>
         <p:blipFill>
-          <a:blip r:embed="rId9"/>
+          <a:blip r:embed="rId10"/>
           <a:stretch>
             <a:fillRect/>
           </a:stretch>
@@ -23222,6 +23212,16 @@
               <a:buFont typeface="+mj-lt"/>
               <a:buAutoNum type="arabicPeriod"/>
             </a:pPr>
+            <a:r>
+              <a:rPr lang="pl-PL" dirty="0"/>
+              <a:t>Pozostałe projekty będą dotyczyły modeli wyceny i zostaną wysłane mailowo </a:t>
+            </a:r>
+          </a:p>
+          <a:p>
+            <a:pPr marL="568325" lvl="1" indent="-342900">
+              <a:buFont typeface="+mj-lt"/>
+              <a:buAutoNum type="arabicPeriod"/>
+            </a:pPr>
             <a:endParaRPr lang="pl-PL" dirty="0"/>
           </a:p>
           <a:p>
@@ -23254,7 +23254,7 @@
           <a:p>
             <a:r>
               <a:rPr lang="pl-PL" sz="2800" dirty="0"/>
-              <a:t>Projekty</a:t>
+              <a:t>Projekty – lista</a:t>
             </a:r>
             <a:endParaRPr lang="en-GB" sz="2800" dirty="0"/>
           </a:p>

--- a/Zajecia_2017_05_21/Walidacja modeli.pptx
+++ b/Zajecia_2017_05_21/Walidacja modeli.pptx
@@ -231,7 +231,7 @@
       </p15:notesGuideLst>
     </p:ext>
     <p:ext uri="{50385BFA-195E-4E9F-9E8A-86900EEC6D5D}">
-      <p14:sectionPr xmlns="" xmlns:p14="http://schemas.microsoft.com/office/powerpoint/2007/7/12/main">
+      <p14:sectionPr xmlns:p14="http://schemas.microsoft.com/office/powerpoint/2007/7/12/main" xmlns="">
         <p14:section name="Default Section" slideIdLst="263 258" id="{F3A50AD0-1C96-4FFB-A588-4C2E07833EC5}"/>
         <p14:section name="Untitled Section" slideIdLst="259 260" id="{731A7D92-B090-44AE-BDF3-5EDBB7844CCD}"/>
         <p14:section name="Untitled Section" slideIdLst="261 262" id="{8A1131A8-562D-483F-B678-EACC5503E90B}"/>
@@ -23198,34 +23198,94 @@
           <a:bodyPr/>
           <a:lstStyle/>
           <a:p>
-            <a:pPr marL="568325" lvl="1" indent="-342900">
-              <a:buFont typeface="+mj-lt"/>
-              <a:buAutoNum type="arabicPeriod"/>
-            </a:pPr>
-            <a:r>
-              <a:rPr lang="pl-PL" dirty="0"/>
-              <a:t>Zbudowanie optymalnego modelu PD korzystając z danych o spłacalności kart kredytowych. Model powinien adresować zdiagnozowane problemy: współliniowość; niemonotoniczność części transformowanych zmiennych; zbyt mało liczne kategorie przy niektórych zmiennych, itd.</a:t>
-            </a:r>
-          </a:p>
-          <a:p>
-            <a:pPr marL="568325" lvl="1" indent="-342900">
-              <a:buFont typeface="+mj-lt"/>
-              <a:buAutoNum type="arabicPeriod"/>
-            </a:pPr>
-            <a:r>
-              <a:rPr lang="pl-PL" dirty="0"/>
-              <a:t>Pozostałe projekty będą dotyczyły modeli wyceny i zostaną wysłane mailowo </a:t>
-            </a:r>
-          </a:p>
-          <a:p>
-            <a:pPr marL="568325" lvl="1" indent="-342900">
-              <a:buFont typeface="+mj-lt"/>
-              <a:buAutoNum type="arabicPeriod"/>
-            </a:pPr>
-            <a:endParaRPr lang="pl-PL" dirty="0"/>
-          </a:p>
-          <a:p>
-            <a:endParaRPr lang="pl-PL" dirty="0"/>
+            <a:r>
+              <a:rPr lang="pl-PL" kern="0" dirty="0">
+                <a:solidFill>
+                  <a:srgbClr val="464749"/>
+                </a:solidFill>
+                <a:latin typeface="UBSHeadline"/>
+                <a:ea typeface="Arial Unicode MS"/>
+              </a:rPr>
+              <a:t>Forma: prezentacja na ostatnich zajęciach (12 czerwca)</a:t>
+            </a:r>
+          </a:p>
+          <a:p>
+            <a:r>
+              <a:rPr lang="pl-PL" kern="0" dirty="0">
+                <a:solidFill>
+                  <a:srgbClr val="464749"/>
+                </a:solidFill>
+                <a:latin typeface="UBSHeadline"/>
+                <a:ea typeface="Arial Unicode MS"/>
+              </a:rPr>
+              <a:t>Zapisy poprzez maila: </a:t>
+            </a:r>
+            <a:r>
+              <a:rPr lang="pl-PL" kern="0" dirty="0">
+                <a:solidFill>
+                  <a:srgbClr val="464749"/>
+                </a:solidFill>
+                <a:latin typeface="UBSHeadline"/>
+                <a:ea typeface="Arial Unicode MS"/>
+                <a:hlinkClick r:id="rId7"/>
+              </a:rPr>
+              <a:t>piotr-a.morawski@ubs.com</a:t>
+            </a:r>
+            <a:endParaRPr lang="pl-PL" kern="0" dirty="0">
+              <a:solidFill>
+                <a:srgbClr val="464749"/>
+              </a:solidFill>
+              <a:latin typeface="UBSHeadline"/>
+              <a:ea typeface="Arial Unicode MS"/>
+            </a:endParaRPr>
+          </a:p>
+          <a:p>
+            <a:r>
+              <a:rPr lang="pl-PL" kern="0" dirty="0">
+                <a:solidFill>
+                  <a:srgbClr val="464749"/>
+                </a:solidFill>
+                <a:latin typeface="UBSHeadline"/>
+                <a:ea typeface="Arial Unicode MS"/>
+              </a:rPr>
+              <a:t>Aktualna lista projektów: </a:t>
+            </a:r>
+            <a:r>
+              <a:rPr lang="pl-PL" kern="0" dirty="0">
+                <a:solidFill>
+                  <a:srgbClr val="464749"/>
+                </a:solidFill>
+                <a:latin typeface="UBSHeadline"/>
+                <a:ea typeface="Arial Unicode MS"/>
+                <a:hlinkClick r:id="rId8"/>
+              </a:rPr>
+              <a:t>https://github.com/AdamWrobel/AGH/blob/master/Projekt/project.pdf</a:t>
+            </a:r>
+            <a:endParaRPr lang="pl-PL" kern="0" dirty="0">
+              <a:solidFill>
+                <a:srgbClr val="464749"/>
+              </a:solidFill>
+              <a:latin typeface="UBSHeadline"/>
+              <a:ea typeface="Arial Unicode MS"/>
+            </a:endParaRPr>
+          </a:p>
+          <a:p>
+            <a:endParaRPr lang="pl-PL" kern="0" dirty="0">
+              <a:solidFill>
+                <a:srgbClr val="464749"/>
+              </a:solidFill>
+              <a:latin typeface="UBSHeadline"/>
+              <a:ea typeface="Arial Unicode MS"/>
+            </a:endParaRPr>
+          </a:p>
+          <a:p>
+            <a:endParaRPr lang="pl-PL" kern="0" dirty="0">
+              <a:solidFill>
+                <a:srgbClr val="464749"/>
+              </a:solidFill>
+              <a:latin typeface="UBSHeadline"/>
+              <a:ea typeface="Arial Unicode MS"/>
+            </a:endParaRPr>
           </a:p>
           <a:p>
             <a:endParaRPr lang="pl-PL" dirty="0"/>
@@ -23294,16 +23354,6 @@
                 <a:spcPts val="600"/>
               </a:spcAft>
             </a:pPr>
-            <a:r>
-              <a:rPr lang="pl-PL" sz="2000" kern="0" dirty="0">
-                <a:solidFill>
-                  <a:srgbClr val="464749"/>
-                </a:solidFill>
-                <a:latin typeface="UBSHeadline"/>
-                <a:ea typeface="Arial Unicode MS"/>
-              </a:rPr>
-              <a:t>Forma: prezentacja na ostatnich zajęciach</a:t>
-            </a:r>
             <a:endParaRPr lang="en-GB" sz="2000" kern="0" dirty="0">
               <a:solidFill>
                 <a:srgbClr val="464749"/>
